--- a/Presentation/Summer Internship Project.pptx
+++ b/Presentation/Summer Internship Project.pptx
@@ -6632,19 +6632,7 @@
               <a:rPr lang="en-US" sz="2400" dirty="0">
                 <a:latin typeface="Helvetica" pitchFamily="2" charset="0"/>
               </a:rPr>
-              <a:t> Cloud </a:t>
-            </a:r>
-            <a:r>
-              <a:rPr lang="en-US" sz="2400" dirty="0" err="1">
-                <a:latin typeface="Helvetica" pitchFamily="2" charset="0"/>
-              </a:rPr>
-              <a:t>Firestore</a:t>
-            </a:r>
-            <a:r>
-              <a:rPr lang="en-US" sz="2400" dirty="0">
-                <a:latin typeface="Helvetica" pitchFamily="2" charset="0"/>
-              </a:rPr>
-              <a:t> enables you to store, sync and query app data at global scale.</a:t>
+              <a:t> Realtime Database uses JSON format for storing values.</a:t>
             </a:r>
           </a:p>
         </p:txBody>
@@ -6782,7 +6770,7 @@
         <p:spPr>
           <a:xfrm>
             <a:off x="808891" y="2184619"/>
-            <a:ext cx="4026877" cy="3754874"/>
+            <a:ext cx="4026877" cy="3539430"/>
           </a:xfrm>
           <a:prstGeom prst="rect">
             <a:avLst/>
@@ -6808,16 +6796,11 @@
             </a:endParaRPr>
           </a:p>
           <a:p>
-            <a:endParaRPr lang="en-US" sz="1400" dirty="0">
-              <a:latin typeface="Helvetica" pitchFamily="2" charset="0"/>
-            </a:endParaRPr>
-          </a:p>
-          <a:p>
             <a:r>
               <a:rPr lang="en-US" sz="1400" dirty="0">
                 <a:latin typeface="Helvetica" pitchFamily="2" charset="0"/>
               </a:rPr>
-              <a:t>You can extract the contents of the snapshot as a JavaScript object by calling the </a:t>
+              <a:t>You can extract the contents of the snapshot as an object by calling the </a:t>
             </a:r>
             <a:r>
               <a:rPr lang="en-US" sz="1400" dirty="0" err="1">
@@ -6841,13 +6824,13 @@
               <a:rPr lang="en-US" sz="1400" b="1" dirty="0">
                 <a:latin typeface="Helvetica" pitchFamily="2" charset="0"/>
               </a:rPr>
-              <a:t>() </a:t>
+              <a:t>()</a:t>
             </a:r>
             <a:r>
               <a:rPr lang="en-US" sz="1400" dirty="0">
                 <a:latin typeface="Helvetica" pitchFamily="2" charset="0"/>
               </a:rPr>
-              <a:t>on).</a:t>
+              <a:t>.</a:t>
             </a:r>
           </a:p>
           <a:p>
@@ -6863,10 +6846,10 @@
               <a:t>A </a:t>
             </a:r>
             <a:r>
-              <a:rPr lang="en-US" sz="1400" b="1" dirty="0" err="1">
+              <a:rPr lang="en-US" sz="1400" b="1" dirty="0">
                 <a:latin typeface="Helvetica" pitchFamily="2" charset="0"/>
               </a:rPr>
-              <a:t>DataSnapshot</a:t>
+              <a:t>Data Snapshot</a:t>
             </a:r>
             <a:r>
               <a:rPr lang="en-US" sz="1400" dirty="0">
@@ -7107,7 +7090,7 @@
         </p:blipFill>
         <p:spPr>
           <a:xfrm>
-            <a:off x="2047900" y="1720845"/>
+            <a:off x="2119617" y="1766720"/>
             <a:ext cx="6664959" cy="4998720"/>
           </a:xfrm>
         </p:spPr>
@@ -7161,7 +7144,7 @@
         </p:blipFill>
         <p:spPr>
           <a:xfrm>
-            <a:off x="5380375" y="1766720"/>
+            <a:off x="5304512" y="1790003"/>
             <a:ext cx="6602869" cy="4998720"/>
           </a:xfrm>
           <a:prstGeom prst="rect">
@@ -7218,7 +7201,7 @@
         </p:blipFill>
         <p:spPr>
           <a:xfrm>
-            <a:off x="-958444" y="1738184"/>
+            <a:off x="-1003188" y="1813287"/>
             <a:ext cx="6602871" cy="4952153"/>
           </a:xfrm>
           <a:prstGeom prst="rect">
@@ -7228,10 +7211,10 @@
       </p:pic>
       <p:pic>
         <p:nvPicPr>
-          <p:cNvPr id="9" name="Picture 8">
+          <p:cNvPr id="10" name="Picture 9">
             <a:extLst>
               <a:ext uri="{FF2B5EF4-FFF2-40B4-BE49-F238E27FC236}">
-                <a16:creationId xmlns:a16="http://schemas.microsoft.com/office/drawing/2014/main" id="{BC4052A7-3BFC-43EB-A00F-17D637F2D55A}"/>
+                <a16:creationId xmlns:a16="http://schemas.microsoft.com/office/drawing/2014/main" id="{F709DC63-C2C3-4438-87A0-E5694A7EB603}"/>
               </a:ext>
             </a:extLst>
           </p:cNvPr>
@@ -7254,8 +7237,8 @@
         </p:blipFill>
         <p:spPr>
           <a:xfrm>
-            <a:off x="1435764" y="2398059"/>
-            <a:ext cx="1817533" cy="3736042"/>
+            <a:off x="1388292" y="2453640"/>
+            <a:ext cx="1819909" cy="3706184"/>
           </a:xfrm>
           <a:prstGeom prst="roundRect">
             <a:avLst>
@@ -7277,10 +7260,10 @@
       </p:pic>
       <p:pic>
         <p:nvPicPr>
-          <p:cNvPr id="11" name="Picture 10">
+          <p:cNvPr id="14" name="Picture 13">
             <a:extLst>
               <a:ext uri="{FF2B5EF4-FFF2-40B4-BE49-F238E27FC236}">
-                <a16:creationId xmlns:a16="http://schemas.microsoft.com/office/drawing/2014/main" id="{E9AB0538-FAB5-40F9-8E55-96413763F6DA}"/>
+                <a16:creationId xmlns:a16="http://schemas.microsoft.com/office/drawing/2014/main" id="{84A28945-711D-4843-84B2-5599D486128A}"/>
               </a:ext>
             </a:extLst>
           </p:cNvPr>
@@ -7303,8 +7286,8 @@
         </p:blipFill>
         <p:spPr>
           <a:xfrm>
-            <a:off x="7780468" y="2417492"/>
-            <a:ext cx="1814451" cy="3729254"/>
+            <a:off x="4542141" y="2412988"/>
+            <a:ext cx="1819909" cy="3746836"/>
           </a:xfrm>
           <a:prstGeom prst="roundRect">
             <a:avLst>
@@ -7326,10 +7309,10 @@
       </p:pic>
       <p:pic>
         <p:nvPicPr>
-          <p:cNvPr id="13" name="Picture 12">
+          <p:cNvPr id="18" name="Picture 17">
             <a:extLst>
               <a:ext uri="{FF2B5EF4-FFF2-40B4-BE49-F238E27FC236}">
-                <a16:creationId xmlns:a16="http://schemas.microsoft.com/office/drawing/2014/main" id="{572BB9D9-DB91-47E5-98A4-E7F3BE693B17}"/>
+                <a16:creationId xmlns:a16="http://schemas.microsoft.com/office/drawing/2014/main" id="{0C4DED81-F8C6-4BB2-A9C9-3A426D8D3AAB}"/>
               </a:ext>
             </a:extLst>
           </p:cNvPr>
@@ -7352,8 +7335,8 @@
         </p:blipFill>
         <p:spPr>
           <a:xfrm>
-            <a:off x="4471610" y="2364039"/>
-            <a:ext cx="1817534" cy="3804082"/>
+            <a:off x="7695990" y="2436269"/>
+            <a:ext cx="1819911" cy="3740925"/>
           </a:xfrm>
           <a:prstGeom prst="roundRect">
             <a:avLst>
